--- a/analysis.pptx
+++ b/analysis.pptx
@@ -113,13 +113,18 @@
       </a:defRPr>
     </a:lvl9pPr>
   </p:defaultTextStyle>
+  <p:extLst>
+    <p:ext uri="{EFAFB233-063F-42B5-8137-9DF3F51BA10A}">
+      <p15:sldGuideLst xmlns:p15="http://schemas.microsoft.com/office/powerpoint/2012/main"/>
+    </p:ext>
+  </p:extLst>
 </p:presentation>
 </file>
 
 <file path=ppt/revisionInfo.xml><?xml version="1.0" encoding="utf-8"?>
 <p1510:revInfo xmlns:a="http://schemas.openxmlformats.org/drawingml/2006/main" xmlns:r="http://schemas.openxmlformats.org/officeDocument/2006/relationships" xmlns:p1510="http://schemas.microsoft.com/office/powerpoint/2015/10/main">
   <p1510:revLst>
-    <p1510:client id="{FE54BF3F-29F5-45E2-BE60-1A76D9461523}" v="42" dt="2025-03-10T17:15:02.314"/>
+    <p1510:client id="{563525EA-25B3-444A-8B53-BD5C279C6552}" v="1" dt="2025-04-29T15:36:38.205"/>
   </p1510:revLst>
 </p1510:revInfo>
 </file>
@@ -170,14 +175,6 @@
             <ac:spMk id="2" creationId="{C182FC41-9D0D-AF82-570F-8A7461216C2F}"/>
           </ac:spMkLst>
         </pc:spChg>
-        <pc:spChg chg="del">
-          <ac:chgData name="GARRE PÉREZ, ALBERTO" userId="7f386fc0-413c-4ced-b45c-cadb97150f31" providerId="ADAL" clId="{FE54BF3F-29F5-45E2-BE60-1A76D9461523}" dt="2025-03-10T16:49:53.853" v="107" actId="478"/>
-          <ac:spMkLst>
-            <pc:docMk/>
-            <pc:sldMk cId="204862316" sldId="257"/>
-            <ac:spMk id="3" creationId="{234A18E3-72ED-031A-3527-8D7B7959FBDA}"/>
-          </ac:spMkLst>
-        </pc:spChg>
         <pc:spChg chg="add mod">
           <ac:chgData name="GARRE PÉREZ, ALBERTO" userId="7f386fc0-413c-4ced-b45c-cadb97150f31" providerId="ADAL" clId="{FE54BF3F-29F5-45E2-BE60-1A76D9461523}" dt="2025-03-10T16:54:19.368" v="289" actId="1076"/>
           <ac:spMkLst>
@@ -194,28 +191,12 @@
             <ac:spMk id="5" creationId="{61309E6E-455D-B20E-72AD-E9DD6A4A2989}"/>
           </ac:spMkLst>
         </pc:spChg>
-        <pc:spChg chg="add del mod">
-          <ac:chgData name="GARRE PÉREZ, ALBERTO" userId="7f386fc0-413c-4ced-b45c-cadb97150f31" providerId="ADAL" clId="{FE54BF3F-29F5-45E2-BE60-1A76D9461523}" dt="2025-03-10T16:50:22.932" v="117" actId="478"/>
-          <ac:spMkLst>
-            <pc:docMk/>
-            <pc:sldMk cId="204862316" sldId="257"/>
-            <ac:spMk id="6" creationId="{03452B7D-8063-9D33-DCFA-6667168247B3}"/>
-          </ac:spMkLst>
-        </pc:spChg>
         <pc:spChg chg="add mod">
           <ac:chgData name="GARRE PÉREZ, ALBERTO" userId="7f386fc0-413c-4ced-b45c-cadb97150f31" providerId="ADAL" clId="{FE54BF3F-29F5-45E2-BE60-1A76D9461523}" dt="2025-03-10T16:54:19.368" v="289" actId="1076"/>
           <ac:spMkLst>
             <pc:docMk/>
             <pc:sldMk cId="204862316" sldId="257"/>
             <ac:spMk id="7" creationId="{10E8F3FC-535F-CE84-CBAE-D1D2F5657C3F}"/>
-          </ac:spMkLst>
-        </pc:spChg>
-        <pc:spChg chg="add del mod">
-          <ac:chgData name="GARRE PÉREZ, ALBERTO" userId="7f386fc0-413c-4ced-b45c-cadb97150f31" providerId="ADAL" clId="{FE54BF3F-29F5-45E2-BE60-1A76D9461523}" dt="2025-03-10T16:50:08.667" v="113" actId="478"/>
-          <ac:spMkLst>
-            <pc:docMk/>
-            <pc:sldMk cId="204862316" sldId="257"/>
-            <ac:spMk id="8" creationId="{697CDA76-049A-C9B2-BFED-99CD84FD64DE}"/>
           </ac:spMkLst>
         </pc:spChg>
         <pc:spChg chg="add mod">
@@ -265,22 +246,6 @@
             <ac:spMk id="2" creationId="{B770EF73-85AC-053A-D850-7897A15C95D5}"/>
           </ac:spMkLst>
         </pc:spChg>
-        <pc:spChg chg="add">
-          <ac:chgData name="GARRE PÉREZ, ALBERTO" userId="7f386fc0-413c-4ced-b45c-cadb97150f31" providerId="ADAL" clId="{FE54BF3F-29F5-45E2-BE60-1A76D9461523}" dt="2025-03-10T16:52:36.433" v="187"/>
-          <ac:spMkLst>
-            <pc:docMk/>
-            <pc:sldMk cId="2203053147" sldId="258"/>
-            <ac:spMk id="3" creationId="{F4B1DB28-1173-DFA4-2EF8-7A3F11DBD397}"/>
-          </ac:spMkLst>
-        </pc:spChg>
-        <pc:spChg chg="del">
-          <ac:chgData name="GARRE PÉREZ, ALBERTO" userId="7f386fc0-413c-4ced-b45c-cadb97150f31" providerId="ADAL" clId="{FE54BF3F-29F5-45E2-BE60-1A76D9461523}" dt="2025-03-10T16:50:51.642" v="147" actId="478"/>
-          <ac:spMkLst>
-            <pc:docMk/>
-            <pc:sldMk cId="2203053147" sldId="258"/>
-            <ac:spMk id="4" creationId="{DEA0DAB6-F2CE-8875-688C-20BAA91FABEC}"/>
-          </ac:spMkLst>
-        </pc:spChg>
         <pc:spChg chg="mod">
           <ac:chgData name="GARRE PÉREZ, ALBERTO" userId="7f386fc0-413c-4ced-b45c-cadb97150f31" providerId="ADAL" clId="{FE54BF3F-29F5-45E2-BE60-1A76D9461523}" dt="2025-03-10T16:54:48.439" v="314" actId="1076"/>
           <ac:spMkLst>
@@ -289,68 +254,12 @@
             <ac:spMk id="5" creationId="{D3C63C93-4DAE-164B-FFFA-AAE3D40B7149}"/>
           </ac:spMkLst>
         </pc:spChg>
-        <pc:spChg chg="add del mod">
-          <ac:chgData name="GARRE PÉREZ, ALBERTO" userId="7f386fc0-413c-4ced-b45c-cadb97150f31" providerId="ADAL" clId="{FE54BF3F-29F5-45E2-BE60-1A76D9461523}" dt="2025-03-10T16:55:23.962" v="392" actId="478"/>
-          <ac:spMkLst>
-            <pc:docMk/>
-            <pc:sldMk cId="2203053147" sldId="258"/>
-            <ac:spMk id="6" creationId="{F9855ED7-9D8E-7B81-45F9-DA03E08AA36E}"/>
-          </ac:spMkLst>
-        </pc:spChg>
-        <pc:spChg chg="del">
-          <ac:chgData name="GARRE PÉREZ, ALBERTO" userId="7f386fc0-413c-4ced-b45c-cadb97150f31" providerId="ADAL" clId="{FE54BF3F-29F5-45E2-BE60-1A76D9461523}" dt="2025-03-10T16:52:18.918" v="186" actId="478"/>
-          <ac:spMkLst>
-            <pc:docMk/>
-            <pc:sldMk cId="2203053147" sldId="258"/>
-            <ac:spMk id="7" creationId="{3FDBB5D1-2DD3-7494-32A3-4F9CC75390A1}"/>
-          </ac:spMkLst>
-        </pc:spChg>
-        <pc:spChg chg="add">
-          <ac:chgData name="GARRE PÉREZ, ALBERTO" userId="7f386fc0-413c-4ced-b45c-cadb97150f31" providerId="ADAL" clId="{FE54BF3F-29F5-45E2-BE60-1A76D9461523}" dt="2025-03-10T16:52:45.007" v="189"/>
-          <ac:spMkLst>
-            <pc:docMk/>
-            <pc:sldMk cId="2203053147" sldId="258"/>
-            <ac:spMk id="8" creationId="{C7CB9FA2-15A0-807D-F140-F3E1BE248136}"/>
-          </ac:spMkLst>
-        </pc:spChg>
-        <pc:spChg chg="del">
-          <ac:chgData name="GARRE PÉREZ, ALBERTO" userId="7f386fc0-413c-4ced-b45c-cadb97150f31" providerId="ADAL" clId="{FE54BF3F-29F5-45E2-BE60-1A76D9461523}" dt="2025-03-10T16:50:51.642" v="147" actId="478"/>
-          <ac:spMkLst>
-            <pc:docMk/>
-            <pc:sldMk cId="2203053147" sldId="258"/>
-            <ac:spMk id="9" creationId="{F76D1E05-F196-76CF-F2AC-AE525650F6B8}"/>
-          </ac:spMkLst>
-        </pc:spChg>
-        <pc:spChg chg="del">
-          <ac:chgData name="GARRE PÉREZ, ALBERTO" userId="7f386fc0-413c-4ced-b45c-cadb97150f31" providerId="ADAL" clId="{FE54BF3F-29F5-45E2-BE60-1A76D9461523}" dt="2025-03-10T16:50:51.642" v="147" actId="478"/>
-          <ac:spMkLst>
-            <pc:docMk/>
-            <pc:sldMk cId="2203053147" sldId="258"/>
-            <ac:spMk id="10" creationId="{A8194A43-CDEE-9848-2458-E68AD33AC69A}"/>
-          </ac:spMkLst>
-        </pc:spChg>
         <pc:spChg chg="add mod">
           <ac:chgData name="GARRE PÉREZ, ALBERTO" userId="7f386fc0-413c-4ced-b45c-cadb97150f31" providerId="ADAL" clId="{FE54BF3F-29F5-45E2-BE60-1A76D9461523}" dt="2025-03-10T16:55:05.572" v="362" actId="20577"/>
           <ac:spMkLst>
             <pc:docMk/>
             <pc:sldMk cId="2203053147" sldId="258"/>
             <ac:spMk id="11" creationId="{F1DD1C1C-5D2D-2FD2-880F-1E69E6F3C245}"/>
-          </ac:spMkLst>
-        </pc:spChg>
-        <pc:spChg chg="add del mod">
-          <ac:chgData name="GARRE PÉREZ, ALBERTO" userId="7f386fc0-413c-4ced-b45c-cadb97150f31" providerId="ADAL" clId="{FE54BF3F-29F5-45E2-BE60-1A76D9461523}" dt="2025-03-10T16:56:52.392" v="394" actId="478"/>
-          <ac:spMkLst>
-            <pc:docMk/>
-            <pc:sldMk cId="2203053147" sldId="258"/>
-            <ac:spMk id="12" creationId="{13F15FF4-A0CF-8C61-5F46-C5986B6A5140}"/>
-          </ac:spMkLst>
-        </pc:spChg>
-        <pc:spChg chg="add">
-          <ac:chgData name="GARRE PÉREZ, ALBERTO" userId="7f386fc0-413c-4ced-b45c-cadb97150f31" providerId="ADAL" clId="{FE54BF3F-29F5-45E2-BE60-1A76D9461523}" dt="2025-03-10T16:56:54.482" v="395"/>
-          <ac:spMkLst>
-            <pc:docMk/>
-            <pc:sldMk cId="2203053147" sldId="258"/>
-            <ac:spMk id="13" creationId="{BA0DEC41-7511-1837-4294-F74DD1FD196F}"/>
           </ac:spMkLst>
         </pc:spChg>
         <pc:spChg chg="add mod">
@@ -384,22 +293,6 @@
             <ac:spMk id="2" creationId="{7E60199D-0DCD-A448-B63E-CF51E158EFC6}"/>
           </ac:spMkLst>
         </pc:spChg>
-        <pc:spChg chg="del mod">
-          <ac:chgData name="GARRE PÉREZ, ALBERTO" userId="7f386fc0-413c-4ced-b45c-cadb97150f31" providerId="ADAL" clId="{FE54BF3F-29F5-45E2-BE60-1A76D9461523}" dt="2025-03-10T16:59:09.641" v="480"/>
-          <ac:spMkLst>
-            <pc:docMk/>
-            <pc:sldMk cId="3927403867" sldId="259"/>
-            <ac:spMk id="3" creationId="{F3349C8E-A226-DF7B-A24B-F3B4606E07EC}"/>
-          </ac:spMkLst>
-        </pc:spChg>
-        <pc:spChg chg="add del mod">
-          <ac:chgData name="GARRE PÉREZ, ALBERTO" userId="7f386fc0-413c-4ced-b45c-cadb97150f31" providerId="ADAL" clId="{FE54BF3F-29F5-45E2-BE60-1A76D9461523}" dt="2025-03-10T17:00:43.194" v="718" actId="478"/>
-          <ac:spMkLst>
-            <pc:docMk/>
-            <pc:sldMk cId="3927403867" sldId="259"/>
-            <ac:spMk id="4" creationId="{56B48B52-F5E7-32B4-138F-2789A332E13E}"/>
-          </ac:spMkLst>
-        </pc:spChg>
         <pc:spChg chg="add mod">
           <ac:chgData name="GARRE PÉREZ, ALBERTO" userId="7f386fc0-413c-4ced-b45c-cadb97150f31" providerId="ADAL" clId="{FE54BF3F-29F5-45E2-BE60-1A76D9461523}" dt="2025-03-10T17:00:54.911" v="724" actId="2710"/>
           <ac:spMkLst>
@@ -429,30 +322,6 @@
             <pc:docMk/>
             <pc:sldMk cId="3319945952" sldId="260"/>
             <ac:spMk id="2" creationId="{301DFC5F-1403-B9F1-6788-F8CB3785C95B}"/>
-          </ac:spMkLst>
-        </pc:spChg>
-        <pc:spChg chg="del">
-          <ac:chgData name="GARRE PÉREZ, ALBERTO" userId="7f386fc0-413c-4ced-b45c-cadb97150f31" providerId="ADAL" clId="{FE54BF3F-29F5-45E2-BE60-1A76D9461523}" dt="2025-03-10T17:03:49.612" v="730" actId="478"/>
-          <ac:spMkLst>
-            <pc:docMk/>
-            <pc:sldMk cId="3319945952" sldId="260"/>
-            <ac:spMk id="3" creationId="{7A91FAFD-EB75-010A-9496-5FF01E79080D}"/>
-          </ac:spMkLst>
-        </pc:spChg>
-        <pc:spChg chg="add">
-          <ac:chgData name="GARRE PÉREZ, ALBERTO" userId="7f386fc0-413c-4ced-b45c-cadb97150f31" providerId="ADAL" clId="{FE54BF3F-29F5-45E2-BE60-1A76D9461523}" dt="2025-03-10T17:03:49.982" v="731"/>
-          <ac:spMkLst>
-            <pc:docMk/>
-            <pc:sldMk cId="3319945952" sldId="260"/>
-            <ac:spMk id="4" creationId="{AFD514DE-9B3D-57D9-C8C7-BC5CE18A3F7A}"/>
-          </ac:spMkLst>
-        </pc:spChg>
-        <pc:spChg chg="add">
-          <ac:chgData name="GARRE PÉREZ, ALBERTO" userId="7f386fc0-413c-4ced-b45c-cadb97150f31" providerId="ADAL" clId="{FE54BF3F-29F5-45E2-BE60-1A76D9461523}" dt="2025-03-10T17:06:31.376" v="737"/>
-          <ac:spMkLst>
-            <pc:docMk/>
-            <pc:sldMk cId="3319945952" sldId="260"/>
-            <ac:spMk id="6" creationId="{B23E1A99-32DC-3306-513D-42C638222805}"/>
           </ac:spMkLst>
         </pc:spChg>
         <pc:picChg chg="add mod">
@@ -494,14 +363,6 @@
             <ac:spMk id="3" creationId="{0CC807EE-EDD9-493B-E7B2-E7365BC05040}"/>
           </ac:spMkLst>
         </pc:spChg>
-        <pc:spChg chg="add del mod">
-          <ac:chgData name="GARRE PÉREZ, ALBERTO" userId="7f386fc0-413c-4ced-b45c-cadb97150f31" providerId="ADAL" clId="{FE54BF3F-29F5-45E2-BE60-1A76D9461523}" dt="2025-03-10T17:08:57.766" v="1013" actId="478"/>
-          <ac:spMkLst>
-            <pc:docMk/>
-            <pc:sldMk cId="489522621" sldId="261"/>
-            <ac:spMk id="5" creationId="{43BAD5B4-E7BA-A916-33E1-7BBC1021373F}"/>
-          </ac:spMkLst>
-        </pc:spChg>
         <pc:picChg chg="add mod">
           <ac:chgData name="GARRE PÉREZ, ALBERTO" userId="7f386fc0-413c-4ced-b45c-cadb97150f31" providerId="ADAL" clId="{FE54BF3F-29F5-45E2-BE60-1A76D9461523}" dt="2025-03-10T17:10:45.445" v="1202" actId="1076"/>
           <ac:picMkLst>
@@ -523,14 +384,6 @@
             <pc:docMk/>
             <pc:sldMk cId="4224219656" sldId="262"/>
             <ac:spMk id="2" creationId="{1786C170-1E5F-0193-A3E0-7FED9364E4C0}"/>
-          </ac:spMkLst>
-        </pc:spChg>
-        <pc:spChg chg="del">
-          <ac:chgData name="GARRE PÉREZ, ALBERTO" userId="7f386fc0-413c-4ced-b45c-cadb97150f31" providerId="ADAL" clId="{FE54BF3F-29F5-45E2-BE60-1A76D9461523}" dt="2025-03-10T17:11:50.915" v="1210" actId="3680"/>
-          <ac:spMkLst>
-            <pc:docMk/>
-            <pc:sldMk cId="4224219656" sldId="262"/>
-            <ac:spMk id="3" creationId="{E3272F78-97CE-515E-7F03-27634A0A5BCC}"/>
           </ac:spMkLst>
         </pc:spChg>
         <pc:spChg chg="add mod">
@@ -583,6 +436,38 @@
       </pc:sldChg>
     </pc:docChg>
   </pc:docChgLst>
+  <pc:docChgLst>
+    <pc:chgData name="GARRE PÉREZ, ALBERTO" userId="7f386fc0-413c-4ced-b45c-cadb97150f31" providerId="ADAL" clId="{563525EA-25B3-444A-8B53-BD5C279C6552}"/>
+    <pc:docChg chg="modSld">
+      <pc:chgData name="GARRE PÉREZ, ALBERTO" userId="7f386fc0-413c-4ced-b45c-cadb97150f31" providerId="ADAL" clId="{563525EA-25B3-444A-8B53-BD5C279C6552}" dt="2025-04-29T15:37:13.630" v="75" actId="6549"/>
+      <pc:docMkLst>
+        <pc:docMk/>
+      </pc:docMkLst>
+      <pc:sldChg chg="addSp modSp mod">
+        <pc:chgData name="GARRE PÉREZ, ALBERTO" userId="7f386fc0-413c-4ced-b45c-cadb97150f31" providerId="ADAL" clId="{563525EA-25B3-444A-8B53-BD5C279C6552}" dt="2025-04-29T15:37:13.630" v="75" actId="6549"/>
+        <pc:sldMkLst>
+          <pc:docMk/>
+          <pc:sldMk cId="204862316" sldId="257"/>
+        </pc:sldMkLst>
+        <pc:spChg chg="add mod">
+          <ac:chgData name="GARRE PÉREZ, ALBERTO" userId="7f386fc0-413c-4ced-b45c-cadb97150f31" providerId="ADAL" clId="{563525EA-25B3-444A-8B53-BD5C279C6552}" dt="2025-04-29T15:37:05.043" v="74" actId="20577"/>
+          <ac:spMkLst>
+            <pc:docMk/>
+            <pc:sldMk cId="204862316" sldId="257"/>
+            <ac:spMk id="3" creationId="{D745A66A-523E-62F9-ABD6-1EB9EAB9C51A}"/>
+          </ac:spMkLst>
+        </pc:spChg>
+        <pc:spChg chg="mod">
+          <ac:chgData name="GARRE PÉREZ, ALBERTO" userId="7f386fc0-413c-4ced-b45c-cadb97150f31" providerId="ADAL" clId="{563525EA-25B3-444A-8B53-BD5C279C6552}" dt="2025-04-29T15:37:13.630" v="75" actId="6549"/>
+          <ac:spMkLst>
+            <pc:docMk/>
+            <pc:sldMk cId="204862316" sldId="257"/>
+            <ac:spMk id="12" creationId="{B8CE4951-C354-9CC6-1A48-66A387BA16BF}"/>
+          </ac:spMkLst>
+        </pc:spChg>
+      </pc:sldChg>
+    </pc:docChg>
+  </pc:docChgLst>
 </pc:chgInfo>
 </file>
 
@@ -668,7 +553,7 @@
           <a:p>
             <a:fld id="{E52E1E63-9AE6-42A4-A253-8E814B69EC11}" type="datetimeFigureOut">
               <a:rPr lang="en-AU" smtClean="0"/>
-              <a:t>10/03/2025</a:t>
+              <a:t>29/04/2025</a:t>
             </a:fld>
             <a:endParaRPr lang="en-AU"/>
           </a:p>
@@ -1085,7 +970,7 @@
           <a:p>
             <a:fld id="{5B316790-CB04-430C-B454-FD65D7DA270E}" type="datetimeFigureOut">
               <a:rPr lang="en-AU" smtClean="0"/>
-              <a:t>10/03/2025</a:t>
+              <a:t>29/04/2025</a:t>
             </a:fld>
             <a:endParaRPr lang="en-AU"/>
           </a:p>
@@ -1285,7 +1170,7 @@
           <a:p>
             <a:fld id="{5B316790-CB04-430C-B454-FD65D7DA270E}" type="datetimeFigureOut">
               <a:rPr lang="en-AU" smtClean="0"/>
-              <a:t>10/03/2025</a:t>
+              <a:t>29/04/2025</a:t>
             </a:fld>
             <a:endParaRPr lang="en-AU"/>
           </a:p>
@@ -1495,7 +1380,7 @@
           <a:p>
             <a:fld id="{5B316790-CB04-430C-B454-FD65D7DA270E}" type="datetimeFigureOut">
               <a:rPr lang="en-AU" smtClean="0"/>
-              <a:t>10/03/2025</a:t>
+              <a:t>29/04/2025</a:t>
             </a:fld>
             <a:endParaRPr lang="en-AU"/>
           </a:p>
@@ -1695,7 +1580,7 @@
           <a:p>
             <a:fld id="{5B316790-CB04-430C-B454-FD65D7DA270E}" type="datetimeFigureOut">
               <a:rPr lang="en-AU" smtClean="0"/>
-              <a:t>10/03/2025</a:t>
+              <a:t>29/04/2025</a:t>
             </a:fld>
             <a:endParaRPr lang="en-AU"/>
           </a:p>
@@ -1971,7 +1856,7 @@
           <a:p>
             <a:fld id="{5B316790-CB04-430C-B454-FD65D7DA270E}" type="datetimeFigureOut">
               <a:rPr lang="en-AU" smtClean="0"/>
-              <a:t>10/03/2025</a:t>
+              <a:t>29/04/2025</a:t>
             </a:fld>
             <a:endParaRPr lang="en-AU"/>
           </a:p>
@@ -2239,7 +2124,7 @@
           <a:p>
             <a:fld id="{5B316790-CB04-430C-B454-FD65D7DA270E}" type="datetimeFigureOut">
               <a:rPr lang="en-AU" smtClean="0"/>
-              <a:t>10/03/2025</a:t>
+              <a:t>29/04/2025</a:t>
             </a:fld>
             <a:endParaRPr lang="en-AU"/>
           </a:p>
@@ -2654,7 +2539,7 @@
           <a:p>
             <a:fld id="{5B316790-CB04-430C-B454-FD65D7DA270E}" type="datetimeFigureOut">
               <a:rPr lang="en-AU" smtClean="0"/>
-              <a:t>10/03/2025</a:t>
+              <a:t>29/04/2025</a:t>
             </a:fld>
             <a:endParaRPr lang="en-AU"/>
           </a:p>
@@ -2796,7 +2681,7 @@
           <a:p>
             <a:fld id="{5B316790-CB04-430C-B454-FD65D7DA270E}" type="datetimeFigureOut">
               <a:rPr lang="en-AU" smtClean="0"/>
-              <a:t>10/03/2025</a:t>
+              <a:t>29/04/2025</a:t>
             </a:fld>
             <a:endParaRPr lang="en-AU"/>
           </a:p>
@@ -2909,7 +2794,7 @@
           <a:p>
             <a:fld id="{5B316790-CB04-430C-B454-FD65D7DA270E}" type="datetimeFigureOut">
               <a:rPr lang="en-AU" smtClean="0"/>
-              <a:t>10/03/2025</a:t>
+              <a:t>29/04/2025</a:t>
             </a:fld>
             <a:endParaRPr lang="en-AU"/>
           </a:p>
@@ -3222,7 +3107,7 @@
           <a:p>
             <a:fld id="{5B316790-CB04-430C-B454-FD65D7DA270E}" type="datetimeFigureOut">
               <a:rPr lang="en-AU" smtClean="0"/>
-              <a:t>10/03/2025</a:t>
+              <a:t>29/04/2025</a:t>
             </a:fld>
             <a:endParaRPr lang="en-AU"/>
           </a:p>
@@ -3511,7 +3396,7 @@
           <a:p>
             <a:fld id="{5B316790-CB04-430C-B454-FD65D7DA270E}" type="datetimeFigureOut">
               <a:rPr lang="en-AU" smtClean="0"/>
-              <a:t>10/03/2025</a:t>
+              <a:t>29/04/2025</a:t>
             </a:fld>
             <a:endParaRPr lang="en-AU"/>
           </a:p>
@@ -3754,7 +3639,7 @@
           <a:p>
             <a:fld id="{5B316790-CB04-430C-B454-FD65D7DA270E}" type="datetimeFigureOut">
               <a:rPr lang="en-AU" smtClean="0"/>
-              <a:t>10/03/2025</a:t>
+              <a:t>29/04/2025</a:t>
             </a:fld>
             <a:endParaRPr lang="en-AU"/>
           </a:p>
@@ -4539,8 +4424,8 @@
         </p:nvSpPr>
         <p:spPr>
           <a:xfrm>
-            <a:off x="749467" y="3226027"/>
-            <a:ext cx="3849965" cy="1569660"/>
+            <a:off x="749467" y="3360281"/>
+            <a:ext cx="3849965" cy="1200329"/>
           </a:xfrm>
           <a:prstGeom prst="rect">
             <a:avLst/>
@@ -4559,7 +4444,7 @@
             </a:r>
             <a:r>
               <a:rPr lang="en-GB" sz="2400" dirty="0"/>
-              <a:t>, TOC, ,</a:t>
+              <a:t>, TOC, </a:t>
             </a:r>
             <a:r>
               <a:rPr lang="en-GB" sz="2400" dirty="0" err="1"/>
@@ -4583,37 +4468,49 @@
             </a:r>
             <a:r>
               <a:rPr lang="en-GB" sz="2400" dirty="0"/>
-              <a:t>, Caex, Kex, EC, </a:t>
-            </a:r>
-            <a:r>
-              <a:rPr lang="en-GB" sz="2400" dirty="0" err="1"/>
-              <a:t>Agsd_b</a:t>
-            </a:r>
+              <a:t>, Caex, Kex, EC</a:t>
+            </a:r>
+          </a:p>
+        </p:txBody>
+      </p:sp>
+      <p:sp>
+        <p:nvSpPr>
+          <p:cNvPr id="3" name="Tekstvak 1">
+            <a:extLst>
+              <a:ext uri="{FF2B5EF4-FFF2-40B4-BE49-F238E27FC236}">
+                <a16:creationId xmlns:a16="http://schemas.microsoft.com/office/drawing/2014/main" id="{D745A66A-523E-62F9-ABD6-1EB9EAB9C51A}"/>
+              </a:ext>
+            </a:extLst>
+          </p:cNvPr>
+          <p:cNvSpPr txBox="1"/>
+          <p:nvPr/>
+        </p:nvSpPr>
+        <p:spPr>
+          <a:xfrm>
+            <a:off x="749467" y="4725643"/>
+            <a:ext cx="4362029" cy="830997"/>
+          </a:xfrm>
+          <a:prstGeom prst="rect">
+            <a:avLst/>
+          </a:prstGeom>
+          <a:noFill/>
+        </p:spPr>
+        <p:txBody>
+          <a:bodyPr wrap="square" rtlCol="0">
+            <a:spAutoFit/>
+          </a:bodyPr>
+          <a:lstStyle/>
+          <a:p>
             <a:r>
               <a:rPr lang="en-GB" sz="2400" dirty="0"/>
-              <a:t>, </a:t>
-            </a:r>
-            <a:r>
-              <a:rPr lang="en-GB" sz="2400" dirty="0" err="1"/>
-              <a:t>Agsd_c</a:t>
-            </a:r>
+              <a:t>Weather-related</a:t>
+            </a:r>
+          </a:p>
+          <a:p>
             <a:r>
               <a:rPr lang="en-GB" sz="2400" dirty="0"/>
-              <a:t>, </a:t>
-            </a:r>
-            <a:r>
-              <a:rPr lang="en-GB" sz="2400" dirty="0" err="1"/>
-              <a:t>Agsd_d</a:t>
-            </a:r>
-            <a:r>
-              <a:rPr lang="en-GB" sz="2400" dirty="0"/>
-              <a:t>, </a:t>
-            </a:r>
-            <a:r>
-              <a:rPr lang="en-GB" sz="2400" dirty="0" err="1"/>
-              <a:t>Agsd_e</a:t>
-            </a:r>
-            <a:endParaRPr lang="en-GB" sz="2400" dirty="0"/>
+              <a:t>(Temperature + precipitation)</a:t>
+            </a:r>
           </a:p>
         </p:txBody>
       </p:sp>
